--- a/training-cards/agile moves/Writing (WRI)/ger/apprentice/ger_wri_07_Ideen_bewerten_lassen_AM_A.pptx
+++ b/training-cards/agile moves/Writing (WRI)/ger/apprentice/ger_wri_07_Ideen_bewerten_lassen_AM_A.pptx
@@ -89,7 +89,7 @@
   </p:defaultTextStyle>
   <p:extLst>
     <p:ext uri="{EFAFB233-063F-42B5-8137-9DF3F51BA10A}">
-      <p15:sldGuideLst xmlns:p15="http://schemas.microsoft.com/office/powerpoint/2012/main">
+      <p15:sldGuideLst xmlns:p15="http://schemas.microsoft.com/office/powerpoint/2012/main" xmlns="">
         <p15:guide id="1" orient="horz" pos="1676">
           <p15:clr>
             <a:srgbClr val="A4A3A4"/>
@@ -482,7 +482,7 @@
   <p:clrMapOvr>
     <a:masterClrMapping/>
   </p:clrMapOvr>
-  <p:transition spd="med"/>
+  <p:transition xmlns:p14="http://schemas.microsoft.com/office/powerpoint/2010/main" spd="med"/>
 </p:sldLayout>
 </file>
 
@@ -1108,7 +1108,7 @@
                 <a:latin typeface="Avenir Light"/>
                 <a:cs typeface="Avenir Light"/>
               </a:rPr>
-              <a:t>31.10.15</a:t>
+              <a:t>02.11.15</a:t>
             </a:fld>
             <a:endParaRPr lang="de-DE" sz="600" dirty="0">
               <a:solidFill>
@@ -1229,7 +1229,7 @@
   <p:clrMapOvr>
     <a:masterClrMapping/>
   </p:clrMapOvr>
-  <p:transition spd="med"/>
+  <p:transition xmlns:p14="http://schemas.microsoft.com/office/powerpoint/2010/main" spd="med"/>
 </p:sldLayout>
 </file>
 
@@ -1772,7 +1772,7 @@
                 <a:latin typeface="Avenir Light"/>
                 <a:cs typeface="Avenir Light"/>
               </a:rPr>
-              <a:t>31.10.15</a:t>
+              <a:t>02.11.15</a:t>
             </a:fld>
             <a:endParaRPr lang="de-DE" sz="600" dirty="0">
               <a:solidFill>
@@ -1973,7 +1973,7 @@
   <p:clrMapOvr>
     <a:masterClrMapping/>
   </p:clrMapOvr>
-  <p:transition spd="med"/>
+  <p:transition xmlns:p14="http://schemas.microsoft.com/office/powerpoint/2010/main" spd="med"/>
 </p:sldLayout>
 </file>
 
@@ -2489,7 +2489,7 @@
                 <a:latin typeface="Avenir Light"/>
                 <a:cs typeface="Avenir Light"/>
               </a:rPr>
-              <a:t>31.10.15</a:t>
+              <a:t>02.11.15</a:t>
             </a:fld>
             <a:endParaRPr lang="de-DE" sz="600" dirty="0">
               <a:solidFill>
@@ -2720,7 +2720,7 @@
   <p:clrMapOvr>
     <a:masterClrMapping/>
   </p:clrMapOvr>
-  <p:transition spd="med"/>
+  <p:transition xmlns:p14="http://schemas.microsoft.com/office/powerpoint/2010/main" spd="med"/>
 </p:sldLayout>
 </file>
 
@@ -3331,7 +3331,7 @@
     <p:sldLayoutId id="2147483651" r:id="rId3"/>
     <p:sldLayoutId id="2147483652" r:id="rId4"/>
   </p:sldLayoutIdLst>
-  <p:transition spd="med"/>
+  <p:transition xmlns:p14="http://schemas.microsoft.com/office/powerpoint/2010/main" spd="med"/>
   <p:txStyles>
     <p:titleStyle>
       <a:lvl1pPr defTabSz="403387" eaLnBrk="1" hangingPunct="1">
@@ -3724,7 +3724,7 @@
           <a:lstStyle/>
           <a:p>
             <a:r>
-              <a:rPr lang="de-DE" smtClean="0"/>
+              <a:rPr lang="de-DE" dirty="0" smtClean="0"/>
               <a:t>Ideen bewerten lassen</a:t>
             </a:r>
             <a:endParaRPr lang="de-DE" dirty="0"/>
@@ -3766,43 +3766,145 @@
         </p:nvSpPr>
         <p:spPr/>
         <p:txBody>
-          <a:bodyPr/>
+          <a:bodyPr>
+            <a:normAutofit/>
+          </a:bodyPr>
           <a:lstStyle/>
           <a:p>
-            <a:pPr marL="133350" lvl="1" indent="-133350"/>
-            <a:r>
-              <a:rPr lang="de-DE" dirty="0" smtClean="0"/>
-              <a:t>Du Deine Schreibideen im </a:t>
-            </a:r>
-            <a:r>
-              <a:rPr lang="de-DE" dirty="0" err="1" smtClean="0"/>
+            <a:pPr marL="179388" lvl="1" indent="-179388">
+              <a:lnSpc>
+                <a:spcPts val="1500"/>
+              </a:lnSpc>
+              <a:spcBef>
+                <a:spcPts val="800"/>
+              </a:spcBef>
+            </a:pPr>
+            <a:r>
+              <a:rPr lang="de-DE" sz="1100" dirty="0"/>
+              <a:t>Ein wichtiger Schritt in der Arbeit mit Deinen Textideen ist, Dir zu Deinen Schreibideen im </a:t>
+            </a:r>
+            <a:r>
+              <a:rPr lang="de-DE" sz="1100" dirty="0" err="1"/>
               <a:t>Backlog</a:t>
             </a:r>
             <a:r>
-              <a:rPr lang="de-DE" dirty="0" smtClean="0"/>
-              <a:t> von anderen bewerten lassen und Dir </a:t>
-            </a:r>
-            <a:r>
-              <a:rPr lang="de-DE" dirty="0"/>
-              <a:t>aktiv Feedback </a:t>
-            </a:r>
-            <a:r>
-              <a:rPr lang="de-DE" dirty="0" smtClean="0"/>
-              <a:t>dazu einholen. </a:t>
-            </a:r>
-          </a:p>
-          <a:p>
-            <a:r>
-              <a:rPr lang="de-DE" dirty="0" smtClean="0"/>
-              <a:t>Du stellst damit Deine eigene subjektive Einschätzung anderen subjektiven Einschätzungen gegenüber.</a:t>
-            </a:r>
-          </a:p>
-          <a:p>
-            <a:r>
-              <a:rPr lang="de-DE" smtClean="0"/>
-              <a:t>xxx</a:t>
-            </a:r>
-            <a:endParaRPr lang="de-DE" dirty="0" smtClean="0"/>
+              <a:rPr lang="de-DE" sz="1100" dirty="0"/>
+              <a:t> aktiv Feedback </a:t>
+            </a:r>
+            <a:r>
+              <a:rPr lang="de-DE" sz="1100" dirty="0" smtClean="0"/>
+              <a:t>einzuholen </a:t>
+            </a:r>
+            <a:r>
+              <a:rPr lang="de-DE" sz="1100" dirty="0"/>
+              <a:t>und sie von anderen </a:t>
+            </a:r>
+            <a:r>
+              <a:rPr lang="de-DE" sz="1100" dirty="0" smtClean="0"/>
+              <a:t>bewerten zu </a:t>
+            </a:r>
+            <a:r>
+              <a:rPr lang="de-DE" sz="1100" dirty="0"/>
+              <a:t>lassen</a:t>
+            </a:r>
+            <a:r>
+              <a:rPr lang="de-DE" sz="1100" dirty="0" smtClean="0"/>
+              <a:t>.</a:t>
+            </a:r>
+          </a:p>
+          <a:p>
+            <a:pPr marL="179388" lvl="1" indent="-179388">
+              <a:lnSpc>
+                <a:spcPts val="1500"/>
+              </a:lnSpc>
+              <a:spcBef>
+                <a:spcPts val="800"/>
+              </a:spcBef>
+            </a:pPr>
+            <a:r>
+              <a:rPr lang="de-DE" sz="1100" dirty="0" smtClean="0"/>
+              <a:t>Du </a:t>
+            </a:r>
+            <a:r>
+              <a:rPr lang="de-DE" sz="1100" dirty="0"/>
+              <a:t>stellst damit Deine eigene subjektive Einschätzung anderen subjektiven Einschätzungen gegenüber</a:t>
+            </a:r>
+            <a:r>
+              <a:rPr lang="de-DE" sz="1100" dirty="0" smtClean="0"/>
+              <a:t>.</a:t>
+            </a:r>
+          </a:p>
+          <a:p>
+            <a:pPr marL="179388" lvl="1" indent="-179388">
+              <a:lnSpc>
+                <a:spcPts val="1500"/>
+              </a:lnSpc>
+              <a:spcBef>
+                <a:spcPts val="800"/>
+              </a:spcBef>
+            </a:pPr>
+            <a:r>
+              <a:rPr lang="de-DE" sz="1100" dirty="0" smtClean="0"/>
+              <a:t>Du </a:t>
+            </a:r>
+            <a:r>
+              <a:rPr lang="de-DE" sz="1100" dirty="0"/>
+              <a:t>setzt Deine Ideen damit bewusst dem Risiko aus, anders bewertet zu werden, als Du es selbst machen würdest. Du stellst Dich der Realität, auch wenn diese Realität </a:t>
+            </a:r>
+            <a:r>
+              <a:rPr lang="de-DE" sz="1100"/>
+              <a:t>wie </a:t>
+            </a:r>
+            <a:r>
+              <a:rPr lang="de-DE" sz="1100"/>
+              <a:t>wie immer eine persönliche Sichtweise ist.</a:t>
+            </a:r>
+            <a:endParaRPr lang="de-DE" sz="1100" dirty="0" smtClean="0"/>
+          </a:p>
+          <a:p>
+            <a:pPr marL="179388" lvl="1" indent="-179388">
+              <a:lnSpc>
+                <a:spcPts val="1500"/>
+              </a:lnSpc>
+              <a:spcBef>
+                <a:spcPts val="800"/>
+              </a:spcBef>
+            </a:pPr>
+            <a:r>
+              <a:rPr lang="de-DE" sz="1100" dirty="0" smtClean="0"/>
+              <a:t>Diese </a:t>
+            </a:r>
+            <a:r>
+              <a:rPr lang="de-DE" sz="1100" dirty="0"/>
+              <a:t>Bewertung ist für Dich nur ein weiterer Aspekt, den Du in Deine eigenen Überlegungen miteinfließen lassen kannst - in welchem Maße, entscheidest Du selbst</a:t>
+            </a:r>
+            <a:r>
+              <a:rPr lang="de-DE" sz="1100" dirty="0" smtClean="0"/>
+              <a:t>.</a:t>
+            </a:r>
+          </a:p>
+          <a:p>
+            <a:pPr marL="179388" lvl="1" indent="-179388">
+              <a:lnSpc>
+                <a:spcPts val="1500"/>
+              </a:lnSpc>
+              <a:spcBef>
+                <a:spcPts val="800"/>
+              </a:spcBef>
+            </a:pPr>
+            <a:r>
+              <a:rPr lang="de-DE" sz="1100" dirty="0" smtClean="0"/>
+              <a:t>Letztendlich </a:t>
+            </a:r>
+            <a:r>
+              <a:rPr lang="de-DE" sz="1100" dirty="0"/>
+              <a:t>bereichert jede andere Perspektive und jeder neue Aspekt Deine Idee und kann Dich zu weiteren Ideen inspirieren</a:t>
+            </a:r>
+            <a:r>
+              <a:rPr lang="de-DE" sz="1100" dirty="0" smtClean="0"/>
+              <a:t>.</a:t>
+            </a:r>
+            <a:endParaRPr lang="de-DE" sz="1100" dirty="0" smtClean="0"/>
           </a:p>
         </p:txBody>
       </p:sp>
@@ -3811,7 +3913,7 @@
   <p:clrMapOvr>
     <a:masterClrMapping/>
   </p:clrMapOvr>
-  <p:transition spd="med"/>
+  <p:transition xmlns:p14="http://schemas.microsoft.com/office/powerpoint/2010/main" spd="med"/>
 </p:sld>
 </file>
 
@@ -3916,12 +4018,12 @@
               <a:t>ihnen selbst überlassen. Sie können die Schreibideen einfach so für sich bewerten, die Bewertung aber beispielsweise auch im Rahmen eines kurzen </a:t>
             </a:r>
             <a:r>
-              <a:rPr lang="de-DE" sz="1100" dirty="0" err="1" smtClean="0"/>
-              <a:t>Gespäches</a:t>
-            </a:r>
-            <a:r>
               <a:rPr lang="de-DE" sz="1100" dirty="0" smtClean="0"/>
-              <a:t> oder </a:t>
+              <a:t>Gespräches </a:t>
+            </a:r>
+            <a:r>
+              <a:rPr lang="de-DE" sz="1100" dirty="0" smtClean="0"/>
+              <a:t>oder </a:t>
             </a:r>
             <a:r>
               <a:rPr lang="de-DE" sz="1100" dirty="0"/>
@@ -3951,7 +4053,11 @@
             </a:r>
             <a:r>
               <a:rPr lang="de-DE" sz="1100" dirty="0" smtClean="0"/>
-              <a:t> sichtbar sein, z.B. als Kommentar </a:t>
+              <a:t> sichtbar sein, z.B. als </a:t>
+            </a:r>
+            <a:r>
+              <a:rPr lang="de-DE" sz="1100" dirty="0" smtClean="0"/>
+              <a:t>Kommentar.</a:t>
             </a:r>
             <a:endParaRPr lang="de-DE" sz="1100" dirty="0"/>
           </a:p>
@@ -3988,7 +4094,7 @@
   <p:clrMapOvr>
     <a:masterClrMapping/>
   </p:clrMapOvr>
-  <p:transition spd="med"/>
+  <p:transition xmlns:p14="http://schemas.microsoft.com/office/powerpoint/2010/main" spd="med"/>
 </p:sld>
 </file>
 
@@ -5091,7 +5197,7 @@
   <a:extraClrSchemeLst/>
   <a:extLst>
     <a:ext uri="{05A4C25C-085E-4340-85A3-A5531E510DB2}">
-      <thm15:themeFamily xmlns:thm15="http://schemas.microsoft.com/office/thememl/2012/main" name="Präsentation1" id="{1070370B-76A8-1B4B-A70B-0495C6E0BD46}" vid="{9E8148EB-03BF-EE45-BF00-E646EB6C14E9}"/>
+      <thm15:themeFamily xmlns:thm15="http://schemas.microsoft.com/office/thememl/2012/main" xmlns="" name="Präsentation1" id="{1070370B-76A8-1B4B-A70B-0495C6E0BD46}" vid="{9E8148EB-03BF-EE45-BF00-E646EB6C14E9}"/>
     </a:ext>
   </a:extLst>
 </a:theme>

--- a/training-cards/agile moves/Writing (WRI)/ger/apprentice/ger_wri_07_Ideen_bewerten_lassen_AM_A.pptx
+++ b/training-cards/agile moves/Writing (WRI)/ger/apprentice/ger_wri_07_Ideen_bewerten_lassen_AM_A.pptx
@@ -89,7 +89,7 @@
   </p:defaultTextStyle>
   <p:extLst>
     <p:ext uri="{EFAFB233-063F-42B5-8137-9DF3F51BA10A}">
-      <p15:sldGuideLst xmlns:p15="http://schemas.microsoft.com/office/powerpoint/2012/main" xmlns="">
+      <p15:sldGuideLst xmlns="" xmlns:p15="http://schemas.microsoft.com/office/powerpoint/2012/main">
         <p15:guide id="1" orient="horz" pos="1676">
           <p15:clr>
             <a:srgbClr val="A4A3A4"/>
@@ -1108,7 +1108,7 @@
                 <a:latin typeface="Avenir Light"/>
                 <a:cs typeface="Avenir Light"/>
               </a:rPr>
-              <a:t>02.11.15</a:t>
+              <a:t>10.11.15</a:t>
             </a:fld>
             <a:endParaRPr lang="de-DE" sz="600" dirty="0">
               <a:solidFill>
@@ -1173,26 +1173,7 @@
                 <a:cs typeface="Avenir Light"/>
                 <a:sym typeface="Calibri"/>
               </a:rPr>
-              <a:t>To view a copy of this license, visit </a:t>
-            </a:r>
-            <a:r>
-              <a:rPr sz="600" dirty="0">
-                <a:latin typeface="Avenir Light"/>
-                <a:ea typeface="Calibri"/>
-                <a:cs typeface="Avenir Light"/>
-                <a:sym typeface="Calibri"/>
-                <a:hlinkClick r:id="rId4"/>
-              </a:rPr>
-              <a:t>http://creativecommons.org/licenses/by-nc-nd/4.0/</a:t>
-            </a:r>
-            <a:r>
-              <a:rPr sz="600" dirty="0">
-                <a:latin typeface="Avenir Light"/>
-                <a:ea typeface="Calibri"/>
-                <a:cs typeface="Avenir Light"/>
-                <a:sym typeface="Calibri"/>
-              </a:rPr>
-              <a:t>.</a:t>
+              <a:t>To view a copy of this license, visit http://creativecommons.org/licenses/by-nc-nd/4.0/.</a:t>
             </a:r>
           </a:p>
         </p:txBody>
@@ -1204,7 +1185,7 @@
           <p:nvPr userDrawn="1"/>
         </p:nvPicPr>
         <p:blipFill>
-          <a:blip r:embed="rId5">
+          <a:blip r:embed="rId4">
             <a:extLst/>
           </a:blip>
           <a:stretch>
@@ -1563,7 +1544,7 @@
               </a:defRPr>
             </a:pPr>
             <a:r>
-              <a:rPr lang="de-DE" sz="1000" smtClean="0">
+              <a:rPr lang="de-DE" sz="1000" dirty="0" smtClean="0">
                 <a:solidFill>
                   <a:srgbClr val="5D5E5F"/>
                 </a:solidFill>
@@ -1580,7 +1561,7 @@
               </a:defRPr>
             </a:pPr>
             <a:r>
-              <a:rPr lang="de-DE" sz="1000" smtClean="0">
+              <a:rPr lang="de-DE" sz="1000" dirty="0" smtClean="0">
                 <a:solidFill>
                   <a:srgbClr val="5D5E5F"/>
                 </a:solidFill>
@@ -1597,7 +1578,7 @@
               </a:defRPr>
             </a:pPr>
             <a:r>
-              <a:rPr lang="de-DE" sz="1000" smtClean="0">
+              <a:rPr lang="de-DE" sz="1000" dirty="0" smtClean="0">
                 <a:solidFill>
                   <a:srgbClr val="5D5E5F"/>
                 </a:solidFill>
@@ -1614,7 +1595,7 @@
               </a:defRPr>
             </a:pPr>
             <a:r>
-              <a:rPr lang="de-DE" sz="1000" smtClean="0">
+              <a:rPr lang="de-DE" sz="1000" dirty="0" smtClean="0">
                 <a:solidFill>
                   <a:srgbClr val="5D5E5F"/>
                 </a:solidFill>
@@ -1631,14 +1612,14 @@
               </a:defRPr>
             </a:pPr>
             <a:r>
-              <a:rPr lang="de-DE" sz="1000" smtClean="0">
+              <a:rPr lang="de-DE" sz="1000" dirty="0" smtClean="0">
                 <a:solidFill>
                   <a:srgbClr val="5D5E5F"/>
                 </a:solidFill>
               </a:rPr>
               <a:t>Fünfte Ebene</a:t>
             </a:r>
-            <a:endParaRPr sz="1000">
+            <a:endParaRPr sz="1000" dirty="0">
               <a:solidFill>
                 <a:srgbClr val="5D5E5F"/>
               </a:solidFill>
@@ -1772,7 +1753,7 @@
                 <a:latin typeface="Avenir Light"/>
                 <a:cs typeface="Avenir Light"/>
               </a:rPr>
-              <a:t>02.11.15</a:t>
+              <a:t>10.11.15</a:t>
             </a:fld>
             <a:endParaRPr lang="de-DE" sz="600" dirty="0">
               <a:solidFill>
@@ -1837,26 +1818,7 @@
                 <a:cs typeface="Avenir Light"/>
                 <a:sym typeface="Calibri"/>
               </a:rPr>
-              <a:t>To view a copy of this license, visit </a:t>
-            </a:r>
-            <a:r>
-              <a:rPr sz="600" dirty="0">
-                <a:latin typeface="Avenir Light"/>
-                <a:ea typeface="Calibri"/>
-                <a:cs typeface="Avenir Light"/>
-                <a:sym typeface="Calibri"/>
-                <a:hlinkClick r:id="rId4"/>
-              </a:rPr>
-              <a:t>http://creativecommons.org/licenses/by-nc-nd/4.0/</a:t>
-            </a:r>
-            <a:r>
-              <a:rPr sz="600" dirty="0">
-                <a:latin typeface="Avenir Light"/>
-                <a:ea typeface="Calibri"/>
-                <a:cs typeface="Avenir Light"/>
-                <a:sym typeface="Calibri"/>
-              </a:rPr>
-              <a:t>.</a:t>
+              <a:t>To view a copy of this license, visit http://creativecommons.org/licenses/by-nc-nd/4.0/.</a:t>
             </a:r>
           </a:p>
         </p:txBody>
@@ -1868,7 +1830,7 @@
           <p:nvPr userDrawn="1"/>
         </p:nvPicPr>
         <p:blipFill>
-          <a:blip r:embed="rId5">
+          <a:blip r:embed="rId4">
             <a:extLst/>
           </a:blip>
           <a:stretch>
@@ -2398,7 +2360,7 @@
         </p:nvSpPr>
         <p:spPr>
           <a:xfrm>
-            <a:off x="1174411" y="860490"/>
+            <a:off x="1174411" y="884913"/>
             <a:ext cx="3673461" cy="461661"/>
           </a:xfrm>
           <a:prstGeom prst="rect">
@@ -2489,7 +2451,7 @@
                 <a:latin typeface="Avenir Light"/>
                 <a:cs typeface="Avenir Light"/>
               </a:rPr>
-              <a:t>02.11.15</a:t>
+              <a:t>10.11.15</a:t>
             </a:fld>
             <a:endParaRPr lang="de-DE" sz="600" dirty="0">
               <a:solidFill>
@@ -2554,26 +2516,7 @@
                 <a:cs typeface="Avenir Light"/>
                 <a:sym typeface="Calibri"/>
               </a:rPr>
-              <a:t>To view a copy of this license, visit </a:t>
-            </a:r>
-            <a:r>
-              <a:rPr sz="600" dirty="0">
-                <a:latin typeface="Avenir Light"/>
-                <a:ea typeface="Calibri"/>
-                <a:cs typeface="Avenir Light"/>
-                <a:sym typeface="Calibri"/>
-                <a:hlinkClick r:id="rId3"/>
-              </a:rPr>
-              <a:t>http://creativecommons.org/licenses/by-nc-nd/4.0/</a:t>
-            </a:r>
-            <a:r>
-              <a:rPr sz="600" dirty="0">
-                <a:latin typeface="Avenir Light"/>
-                <a:ea typeface="Calibri"/>
-                <a:cs typeface="Avenir Light"/>
-                <a:sym typeface="Calibri"/>
-              </a:rPr>
-              <a:t>.</a:t>
+              <a:t>To view a copy of this license, visit http://creativecommons.org/licenses/by-nc-nd/4.0/.</a:t>
             </a:r>
           </a:p>
         </p:txBody>
@@ -2585,7 +2528,7 @@
           <p:nvPr userDrawn="1"/>
         </p:nvPicPr>
         <p:blipFill>
-          <a:blip r:embed="rId4">
+          <a:blip r:embed="rId3">
             <a:extLst/>
           </a:blip>
           <a:stretch>
@@ -2614,7 +2557,7 @@
           <p:nvPr userDrawn="1"/>
         </p:nvPicPr>
         <p:blipFill>
-          <a:blip r:embed="rId5">
+          <a:blip r:embed="rId4">
             <a:extLst>
               <a:ext uri="{28A0092B-C50C-407E-A947-70E740481C1C}">
                 <a14:useLocalDpi xmlns:a14="http://schemas.microsoft.com/office/drawing/2010/main" val="0"/>
@@ -3718,16 +3661,31 @@
             <p:ph type="title"/>
           </p:nvPr>
         </p:nvSpPr>
-        <p:spPr/>
+        <p:spPr>
+          <a:xfrm>
+            <a:off x="1166812" y="657856"/>
+            <a:ext cx="5533296" cy="461667"/>
+          </a:xfrm>
+        </p:spPr>
         <p:txBody>
           <a:bodyPr/>
           <a:lstStyle/>
           <a:p>
             <a:r>
               <a:rPr lang="de-DE" dirty="0" smtClean="0"/>
-              <a:t>Ideen bewerten lassen</a:t>
-            </a:r>
-            <a:endParaRPr lang="de-DE" dirty="0"/>
+              <a:t>Ideen </a:t>
+            </a:r>
+            <a:r>
+              <a:rPr lang="de-DE" dirty="0" smtClean="0">
+                <a:latin typeface="Avenir Book"/>
+                <a:cs typeface="Avenir Book"/>
+              </a:rPr>
+              <a:t>bewerten lassen</a:t>
+            </a:r>
+            <a:endParaRPr lang="de-DE" dirty="0">
+              <a:latin typeface="Avenir Book"/>
+              <a:cs typeface="Avenir Book"/>
+            </a:endParaRPr>
           </a:p>
         </p:txBody>
       </p:sp>
@@ -3741,14 +3699,23 @@
             <p:ph type="body" idx="1"/>
           </p:nvPr>
         </p:nvSpPr>
-        <p:spPr/>
+        <p:spPr>
+          <a:xfrm>
+            <a:off x="1166812" y="981986"/>
+            <a:ext cx="5293998" cy="462332"/>
+          </a:xfrm>
+        </p:spPr>
         <p:txBody>
           <a:bodyPr/>
           <a:lstStyle/>
           <a:p>
             <a:r>
-              <a:rPr lang="de-DE" smtClean="0"/>
-              <a:t>Silke Kainzbauer</a:t>
+              <a:rPr lang="de-DE" dirty="0" smtClean="0"/>
+              <a:t>Silke </a:t>
+            </a:r>
+            <a:r>
+              <a:rPr lang="de-DE" dirty="0" err="1" smtClean="0"/>
+              <a:t>Kainzbauer</a:t>
             </a:r>
             <a:endParaRPr lang="de-DE" dirty="0"/>
           </a:p>
@@ -3849,15 +3816,7 @@
             </a:r>
             <a:r>
               <a:rPr lang="de-DE" sz="1100" dirty="0"/>
-              <a:t>setzt Deine Ideen damit bewusst dem Risiko aus, anders bewertet zu werden, als Du es selbst machen würdest. Du stellst Dich der Realität, auch wenn diese Realität </a:t>
-            </a:r>
-            <a:r>
-              <a:rPr lang="de-DE" sz="1100"/>
-              <a:t>wie </a:t>
-            </a:r>
-            <a:r>
-              <a:rPr lang="de-DE" sz="1100"/>
-              <a:t>wie immer eine persönliche Sichtweise ist.</a:t>
+              <a:t>setzt Deine Ideen damit bewusst dem Risiko aus, anders bewertet zu werden, als Du es selbst machen würdest. Du stellst Dich der Realität, auch wenn diese Realität wie wie immer eine persönliche Sichtweise ist.</a:t>
             </a:r>
             <a:endParaRPr lang="de-DE" sz="1100" dirty="0" smtClean="0"/>
           </a:p>
@@ -3904,7 +3863,6 @@
               <a:rPr lang="de-DE" sz="1100" dirty="0" smtClean="0"/>
               <a:t>.</a:t>
             </a:r>
-            <a:endParaRPr lang="de-DE" sz="1100" dirty="0" smtClean="0"/>
           </a:p>
         </p:txBody>
       </p:sp>
@@ -4015,15 +3973,7 @@
             </a:r>
             <a:r>
               <a:rPr lang="de-DE" sz="1100" dirty="0" smtClean="0"/>
-              <a:t>ihnen selbst überlassen. Sie können die Schreibideen einfach so für sich bewerten, die Bewertung aber beispielsweise auch im Rahmen eines kurzen </a:t>
-            </a:r>
-            <a:r>
-              <a:rPr lang="de-DE" sz="1100" dirty="0" smtClean="0"/>
-              <a:t>Gespräches </a:t>
-            </a:r>
-            <a:r>
-              <a:rPr lang="de-DE" sz="1100" dirty="0" smtClean="0"/>
-              <a:t>oder </a:t>
+              <a:t>ihnen selbst überlassen. Sie können die Schreibideen einfach so für sich bewerten, die Bewertung aber beispielsweise auch im Rahmen eines kurzen Gespräches oder </a:t>
             </a:r>
             <a:r>
               <a:rPr lang="de-DE" sz="1100" dirty="0"/>
@@ -4053,11 +4003,7 @@
             </a:r>
             <a:r>
               <a:rPr lang="de-DE" sz="1100" dirty="0" smtClean="0"/>
-              <a:t> sichtbar sein, z.B. als </a:t>
-            </a:r>
-            <a:r>
-              <a:rPr lang="de-DE" sz="1100" dirty="0" smtClean="0"/>
-              <a:t>Kommentar.</a:t>
+              <a:t> sichtbar sein, z.B. als Kommentar.</a:t>
             </a:r>
             <a:endParaRPr lang="de-DE" sz="1100" dirty="0"/>
           </a:p>
@@ -5197,7 +5143,7 @@
   <a:extraClrSchemeLst/>
   <a:extLst>
     <a:ext uri="{05A4C25C-085E-4340-85A3-A5531E510DB2}">
-      <thm15:themeFamily xmlns:thm15="http://schemas.microsoft.com/office/thememl/2012/main" xmlns="" name="Präsentation1" id="{1070370B-76A8-1B4B-A70B-0495C6E0BD46}" vid="{9E8148EB-03BF-EE45-BF00-E646EB6C14E9}"/>
+      <thm15:themeFamily xmlns="" xmlns:thm15="http://schemas.microsoft.com/office/thememl/2012/main" name="Präsentation1" id="{1070370B-76A8-1B4B-A70B-0495C6E0BD46}" vid="{9E8148EB-03BF-EE45-BF00-E646EB6C14E9}"/>
     </a:ext>
   </a:extLst>
 </a:theme>
